--- a/tutorial05/InstallMySQLWorkbench.pptx
+++ b/tutorial05/InstallMySQLWorkbench.pptx
@@ -24,7 +24,8 @@
     <p:sldId id="272" r:id="rId18"/>
     <p:sldId id="273" r:id="rId19"/>
     <p:sldId id="274" r:id="rId20"/>
-    <p:sldId id="275" r:id="rId21"/>
+    <p:sldId id="277" r:id="rId21"/>
+    <p:sldId id="275" r:id="rId22"/>
   </p:sldIdLst>
   <p:sldSz cx="12192000" cy="6858000"/>
   <p:notesSz cx="6858000" cy="9144000"/>
@@ -3960,7 +3961,7 @@
                   <a:schemeClr val="bg1"/>
                 </a:solidFill>
               </a:rPr>
-              <a:t>#5- Preparing MYSQL &amp; Workbench</a:t>
+              <a:t>#5- Preparing MYSQL &amp; Workbench for Gen AI query</a:t>
             </a:r>
           </a:p>
         </p:txBody>
@@ -6037,6 +6038,96 @@
 </file>
 
 <file path=ppt/slides/slide20.xml><?xml version="1.0" encoding="utf-8"?>
+<p:sld xmlns:a="http://schemas.openxmlformats.org/drawingml/2006/main" xmlns:r="http://schemas.openxmlformats.org/officeDocument/2006/relationships" xmlns:p="http://schemas.openxmlformats.org/presentationml/2006/main">
+  <p:cSld>
+    <p:spTree>
+      <p:nvGrpSpPr>
+        <p:cNvPr id="1" name=""/>
+        <p:cNvGrpSpPr/>
+        <p:nvPr/>
+      </p:nvGrpSpPr>
+      <p:grpSpPr>
+        <a:xfrm>
+          <a:off x="0" y="0"/>
+          <a:ext cx="0" cy="0"/>
+          <a:chOff x="0" y="0"/>
+          <a:chExt cx="0" cy="0"/>
+        </a:xfrm>
+      </p:grpSpPr>
+      <p:pic>
+        <p:nvPicPr>
+          <p:cNvPr id="3" name="Picture 2">
+            <a:extLst>
+              <a:ext uri="{FF2B5EF4-FFF2-40B4-BE49-F238E27FC236}">
+                <a16:creationId xmlns:a16="http://schemas.microsoft.com/office/drawing/2014/main" id="{D1F84AA5-EFF0-9C9B-43B0-63AFCB536663}"/>
+              </a:ext>
+            </a:extLst>
+          </p:cNvPr>
+          <p:cNvPicPr>
+            <a:picLocks noChangeAspect="1"/>
+          </p:cNvPicPr>
+          <p:nvPr/>
+        </p:nvPicPr>
+        <p:blipFill>
+          <a:blip r:embed="rId2"/>
+          <a:stretch>
+            <a:fillRect/>
+          </a:stretch>
+        </p:blipFill>
+        <p:spPr>
+          <a:xfrm>
+            <a:off x="1102519" y="867342"/>
+            <a:ext cx="3695890" cy="2654436"/>
+          </a:xfrm>
+          <a:prstGeom prst="rect">
+            <a:avLst/>
+          </a:prstGeom>
+        </p:spPr>
+      </p:pic>
+      <p:pic>
+        <p:nvPicPr>
+          <p:cNvPr id="5" name="Picture 4">
+            <a:extLst>
+              <a:ext uri="{FF2B5EF4-FFF2-40B4-BE49-F238E27FC236}">
+                <a16:creationId xmlns:a16="http://schemas.microsoft.com/office/drawing/2014/main" id="{34218D19-B617-DDD1-5A15-AA999499C524}"/>
+              </a:ext>
+            </a:extLst>
+          </p:cNvPr>
+          <p:cNvPicPr>
+            <a:picLocks noChangeAspect="1"/>
+          </p:cNvPicPr>
+          <p:nvPr/>
+        </p:nvPicPr>
+        <p:blipFill>
+          <a:blip r:embed="rId3"/>
+          <a:stretch>
+            <a:fillRect/>
+          </a:stretch>
+        </p:blipFill>
+        <p:spPr>
+          <a:xfrm>
+            <a:off x="5620430" y="991173"/>
+            <a:ext cx="3200564" cy="2406774"/>
+          </a:xfrm>
+          <a:prstGeom prst="rect">
+            <a:avLst/>
+          </a:prstGeom>
+        </p:spPr>
+      </p:pic>
+    </p:spTree>
+    <p:extLst>
+      <p:ext uri="{BB962C8B-B14F-4D97-AF65-F5344CB8AC3E}">
+        <p14:creationId xmlns:p14="http://schemas.microsoft.com/office/powerpoint/2010/main" val="3255560758"/>
+      </p:ext>
+    </p:extLst>
+  </p:cSld>
+  <p:clrMapOvr>
+    <a:masterClrMapping/>
+  </p:clrMapOvr>
+</p:sld>
+</file>
+
+<file path=ppt/slides/slide21.xml><?xml version="1.0" encoding="utf-8"?>
 <p:sld xmlns:a="http://schemas.openxmlformats.org/drawingml/2006/main" xmlns:r="http://schemas.openxmlformats.org/officeDocument/2006/relationships" xmlns:p="http://schemas.openxmlformats.org/presentationml/2006/main">
   <p:cSld>
     <p:spTree>
